--- a/pt/ProgrammingLessons/ColorSensor.pptx
+++ b/pt/ProgrammingLessons/ColorSensor.pptx
@@ -137,6 +137,268 @@
 </p:presentation>
 </file>
 
+<file path=ppt/revisionInfo.xml><?xml version="1.0" encoding="utf-8"?>
+<p1510:revInfo xmlns:a="http://schemas.openxmlformats.org/drawingml/2006/main" xmlns:r="http://schemas.openxmlformats.org/officeDocument/2006/relationships" xmlns:p1510="http://schemas.microsoft.com/office/powerpoint/2015/10/main">
+  <p1510:revLst>
+    <p1510:client id="{1A8436B7-59E4-4875-BB34-6B98AE1C43FD}" v="7" dt="2020-07-13T03:56:19.732"/>
+  </p1510:revLst>
+</p1510:revInfo>
+</file>
+
+<file path=ppt/changesInfos/changesInfo1.xml><?xml version="1.0" encoding="utf-8"?>
+<pc:chgInfo xmlns:a="http://schemas.openxmlformats.org/drawingml/2006/main" xmlns:r="http://schemas.openxmlformats.org/officeDocument/2006/relationships" xmlns:ac="http://schemas.microsoft.com/office/drawing/2013/main/command" xmlns:pc="http://schemas.microsoft.com/office/powerpoint/2013/main/command">
+  <pc:docChgLst>
+    <pc:chgData name="Anderson Harayashiki Moreira" userId="07ffc975ff648281" providerId="LiveId" clId="{1A8436B7-59E4-4875-BB34-6B98AE1C43FD}"/>
+    <pc:docChg chg="custSel modSld">
+      <pc:chgData name="Anderson Harayashiki Moreira" userId="07ffc975ff648281" providerId="LiveId" clId="{1A8436B7-59E4-4875-BB34-6B98AE1C43FD}" dt="2020-07-13T03:56:19.732" v="114"/>
+      <pc:docMkLst>
+        <pc:docMk/>
+      </pc:docMkLst>
+      <pc:sldChg chg="addSp delSp">
+        <pc:chgData name="Anderson Harayashiki Moreira" userId="07ffc975ff648281" providerId="LiveId" clId="{1A8436B7-59E4-4875-BB34-6B98AE1C43FD}" dt="2020-07-13T03:56:19.732" v="114"/>
+        <pc:sldMkLst>
+          <pc:docMk/>
+          <pc:sldMk cId="675085363" sldId="257"/>
+        </pc:sldMkLst>
+        <pc:spChg chg="del">
+          <ac:chgData name="Anderson Harayashiki Moreira" userId="07ffc975ff648281" providerId="LiveId" clId="{1A8436B7-59E4-4875-BB34-6B98AE1C43FD}" dt="2020-07-13T03:56:19.111" v="113" actId="478"/>
+          <ac:spMkLst>
+            <pc:docMk/>
+            <pc:sldMk cId="675085363" sldId="257"/>
+            <ac:spMk id="4" creationId="{00000000-0000-0000-0000-000000000000}"/>
+          </ac:spMkLst>
+        </pc:spChg>
+        <pc:spChg chg="add">
+          <ac:chgData name="Anderson Harayashiki Moreira" userId="07ffc975ff648281" providerId="LiveId" clId="{1A8436B7-59E4-4875-BB34-6B98AE1C43FD}" dt="2020-07-13T03:56:19.732" v="114"/>
+          <ac:spMkLst>
+            <pc:docMk/>
+            <pc:sldMk cId="675085363" sldId="257"/>
+            <ac:spMk id="8" creationId="{E4C5F412-54D6-4D5F-8662-0FFD1603585A}"/>
+          </ac:spMkLst>
+        </pc:spChg>
+      </pc:sldChg>
+      <pc:sldChg chg="addSp delSp modSp">
+        <pc:chgData name="Anderson Harayashiki Moreira" userId="07ffc975ff648281" providerId="LiveId" clId="{1A8436B7-59E4-4875-BB34-6B98AE1C43FD}" dt="2020-07-13T03:56:14.237" v="110"/>
+        <pc:sldMkLst>
+          <pc:docMk/>
+          <pc:sldMk cId="2254318164" sldId="276"/>
+        </pc:sldMkLst>
+        <pc:spChg chg="del">
+          <ac:chgData name="Anderson Harayashiki Moreira" userId="07ffc975ff648281" providerId="LiveId" clId="{1A8436B7-59E4-4875-BB34-6B98AE1C43FD}" dt="2020-07-13T03:56:13.612" v="109" actId="478"/>
+          <ac:spMkLst>
+            <pc:docMk/>
+            <pc:sldMk cId="2254318164" sldId="276"/>
+            <ac:spMk id="4" creationId="{DBB30102-B120-3D4E-8B7C-172126856F13}"/>
+          </ac:spMkLst>
+        </pc:spChg>
+        <pc:spChg chg="mod">
+          <ac:chgData name="Anderson Harayashiki Moreira" userId="07ffc975ff648281" providerId="LiveId" clId="{1A8436B7-59E4-4875-BB34-6B98AE1C43FD}" dt="2020-07-13T03:53:15.400" v="2" actId="114"/>
+          <ac:spMkLst>
+            <pc:docMk/>
+            <pc:sldMk cId="2254318164" sldId="276"/>
+            <ac:spMk id="9" creationId="{E68F8AD0-0360-C948-9835-941AA7232868}"/>
+          </ac:spMkLst>
+        </pc:spChg>
+        <pc:spChg chg="add">
+          <ac:chgData name="Anderson Harayashiki Moreira" userId="07ffc975ff648281" providerId="LiveId" clId="{1A8436B7-59E4-4875-BB34-6B98AE1C43FD}" dt="2020-07-13T03:56:14.237" v="110"/>
+          <ac:spMkLst>
+            <pc:docMk/>
+            <pc:sldMk cId="2254318164" sldId="276"/>
+            <ac:spMk id="10" creationId="{737AD174-6BD0-44AE-A58C-5D3E299A8F43}"/>
+          </ac:spMkLst>
+        </pc:spChg>
+      </pc:sldChg>
+      <pc:sldChg chg="addSp delSp">
+        <pc:chgData name="Anderson Harayashiki Moreira" userId="07ffc975ff648281" providerId="LiveId" clId="{1A8436B7-59E4-4875-BB34-6B98AE1C43FD}" dt="2020-07-13T03:56:11.602" v="108"/>
+        <pc:sldMkLst>
+          <pc:docMk/>
+          <pc:sldMk cId="1322771717" sldId="279"/>
+        </pc:sldMkLst>
+        <pc:spChg chg="del">
+          <ac:chgData name="Anderson Harayashiki Moreira" userId="07ffc975ff648281" providerId="LiveId" clId="{1A8436B7-59E4-4875-BB34-6B98AE1C43FD}" dt="2020-07-13T03:56:10.910" v="107" actId="478"/>
+          <ac:spMkLst>
+            <pc:docMk/>
+            <pc:sldMk cId="1322771717" sldId="279"/>
+            <ac:spMk id="4" creationId="{34AAC78E-D7A6-4E1A-98DF-76A236E14BF0}"/>
+          </ac:spMkLst>
+        </pc:spChg>
+        <pc:spChg chg="add">
+          <ac:chgData name="Anderson Harayashiki Moreira" userId="07ffc975ff648281" providerId="LiveId" clId="{1A8436B7-59E4-4875-BB34-6B98AE1C43FD}" dt="2020-07-13T03:56:11.602" v="108"/>
+          <ac:spMkLst>
+            <pc:docMk/>
+            <pc:sldMk cId="1322771717" sldId="279"/>
+            <ac:spMk id="12" creationId="{7248EF9C-E309-48F0-9EDA-3A27987B5B12}"/>
+          </ac:spMkLst>
+        </pc:spChg>
+      </pc:sldChg>
+      <pc:sldChg chg="addSp delSp">
+        <pc:chgData name="Anderson Harayashiki Moreira" userId="07ffc975ff648281" providerId="LiveId" clId="{1A8436B7-59E4-4875-BB34-6B98AE1C43FD}" dt="2020-07-13T03:56:17.047" v="112"/>
+        <pc:sldMkLst>
+          <pc:docMk/>
+          <pc:sldMk cId="2101563819" sldId="282"/>
+        </pc:sldMkLst>
+        <pc:spChg chg="del">
+          <ac:chgData name="Anderson Harayashiki Moreira" userId="07ffc975ff648281" providerId="LiveId" clId="{1A8436B7-59E4-4875-BB34-6B98AE1C43FD}" dt="2020-07-13T03:56:16.260" v="111" actId="478"/>
+          <ac:spMkLst>
+            <pc:docMk/>
+            <pc:sldMk cId="2101563819" sldId="282"/>
+            <ac:spMk id="4" creationId="{5D537FE9-7847-4B91-95F5-564B8DEECEDF}"/>
+          </ac:spMkLst>
+        </pc:spChg>
+        <pc:spChg chg="add">
+          <ac:chgData name="Anderson Harayashiki Moreira" userId="07ffc975ff648281" providerId="LiveId" clId="{1A8436B7-59E4-4875-BB34-6B98AE1C43FD}" dt="2020-07-13T03:56:17.047" v="112"/>
+          <ac:spMkLst>
+            <pc:docMk/>
+            <pc:sldMk cId="2101563819" sldId="282"/>
+            <ac:spMk id="8" creationId="{87E120C8-C391-4577-8107-6560E8FB0C51}"/>
+          </ac:spMkLst>
+        </pc:spChg>
+      </pc:sldChg>
+      <pc:sldChg chg="addSp delSp modSp">
+        <pc:chgData name="Anderson Harayashiki Moreira" userId="07ffc975ff648281" providerId="LiveId" clId="{1A8436B7-59E4-4875-BB34-6B98AE1C43FD}" dt="2020-07-13T03:56:08.918" v="106"/>
+        <pc:sldMkLst>
+          <pc:docMk/>
+          <pc:sldMk cId="1778694702" sldId="283"/>
+        </pc:sldMkLst>
+        <pc:spChg chg="mod">
+          <ac:chgData name="Anderson Harayashiki Moreira" userId="07ffc975ff648281" providerId="LiveId" clId="{1A8436B7-59E4-4875-BB34-6B98AE1C43FD}" dt="2020-07-13T03:54:14.313" v="6" actId="20577"/>
+          <ac:spMkLst>
+            <pc:docMk/>
+            <pc:sldMk cId="1778694702" sldId="283"/>
+            <ac:spMk id="2" creationId="{DD2DB529-6322-4163-B7BB-C26CB145487D}"/>
+          </ac:spMkLst>
+        </pc:spChg>
+        <pc:spChg chg="mod">
+          <ac:chgData name="Anderson Harayashiki Moreira" userId="07ffc975ff648281" providerId="LiveId" clId="{1A8436B7-59E4-4875-BB34-6B98AE1C43FD}" dt="2020-07-13T03:54:23.019" v="11" actId="123"/>
+          <ac:spMkLst>
+            <pc:docMk/>
+            <pc:sldMk cId="1778694702" sldId="283"/>
+            <ac:spMk id="3" creationId="{F7C09D69-8080-49F0-83A7-CE01031A9448}"/>
+          </ac:spMkLst>
+        </pc:spChg>
+        <pc:spChg chg="del">
+          <ac:chgData name="Anderson Harayashiki Moreira" userId="07ffc975ff648281" providerId="LiveId" clId="{1A8436B7-59E4-4875-BB34-6B98AE1C43FD}" dt="2020-07-13T03:56:08.159" v="105" actId="478"/>
+          <ac:spMkLst>
+            <pc:docMk/>
+            <pc:sldMk cId="1778694702" sldId="283"/>
+            <ac:spMk id="4" creationId="{0CED42F2-83E1-4B1D-AF71-E324E7695CA8}"/>
+          </ac:spMkLst>
+        </pc:spChg>
+        <pc:spChg chg="add">
+          <ac:chgData name="Anderson Harayashiki Moreira" userId="07ffc975ff648281" providerId="LiveId" clId="{1A8436B7-59E4-4875-BB34-6B98AE1C43FD}" dt="2020-07-13T03:56:08.918" v="106"/>
+          <ac:spMkLst>
+            <pc:docMk/>
+            <pc:sldMk cId="1778694702" sldId="283"/>
+            <ac:spMk id="8" creationId="{489BEAB0-3D58-46E1-955C-E6090E6F7956}"/>
+          </ac:spMkLst>
+        </pc:spChg>
+      </pc:sldChg>
+      <pc:sldChg chg="addSp delSp modSp">
+        <pc:chgData name="Anderson Harayashiki Moreira" userId="07ffc975ff648281" providerId="LiveId" clId="{1A8436B7-59E4-4875-BB34-6B98AE1C43FD}" dt="2020-07-13T03:56:06.411" v="104"/>
+        <pc:sldMkLst>
+          <pc:docMk/>
+          <pc:sldMk cId="2608068940" sldId="284"/>
+        </pc:sldMkLst>
+        <pc:spChg chg="mod">
+          <ac:chgData name="Anderson Harayashiki Moreira" userId="07ffc975ff648281" providerId="LiveId" clId="{1A8436B7-59E4-4875-BB34-6B98AE1C43FD}" dt="2020-07-13T03:54:44.873" v="15" actId="313"/>
+          <ac:spMkLst>
+            <pc:docMk/>
+            <pc:sldMk cId="2608068940" sldId="284"/>
+            <ac:spMk id="3" creationId="{885ECDA4-F61B-43CC-8476-7FAC9E40B46D}"/>
+          </ac:spMkLst>
+        </pc:spChg>
+        <pc:spChg chg="del">
+          <ac:chgData name="Anderson Harayashiki Moreira" userId="07ffc975ff648281" providerId="LiveId" clId="{1A8436B7-59E4-4875-BB34-6B98AE1C43FD}" dt="2020-07-13T03:56:05.795" v="103" actId="478"/>
+          <ac:spMkLst>
+            <pc:docMk/>
+            <pc:sldMk cId="2608068940" sldId="284"/>
+            <ac:spMk id="4" creationId="{69325A48-9D7A-4696-B0C8-B6078A4DEAEE}"/>
+          </ac:spMkLst>
+        </pc:spChg>
+        <pc:spChg chg="add">
+          <ac:chgData name="Anderson Harayashiki Moreira" userId="07ffc975ff648281" providerId="LiveId" clId="{1A8436B7-59E4-4875-BB34-6B98AE1C43FD}" dt="2020-07-13T03:56:06.411" v="104"/>
+          <ac:spMkLst>
+            <pc:docMk/>
+            <pc:sldMk cId="2608068940" sldId="284"/>
+            <ac:spMk id="7" creationId="{8711DB9F-7744-4985-AFF3-9C957A0EF334}"/>
+          </ac:spMkLst>
+        </pc:spChg>
+      </pc:sldChg>
+      <pc:sldChg chg="addSp delSp modSp">
+        <pc:chgData name="Anderson Harayashiki Moreira" userId="07ffc975ff648281" providerId="LiveId" clId="{1A8436B7-59E4-4875-BB34-6B98AE1C43FD}" dt="2020-07-13T03:56:03.435" v="102"/>
+        <pc:sldMkLst>
+          <pc:docMk/>
+          <pc:sldMk cId="2688634444" sldId="285"/>
+        </pc:sldMkLst>
+        <pc:spChg chg="mod">
+          <ac:chgData name="Anderson Harayashiki Moreira" userId="07ffc975ff648281" providerId="LiveId" clId="{1A8436B7-59E4-4875-BB34-6B98AE1C43FD}" dt="2020-07-13T03:55:21.022" v="52" actId="1035"/>
+          <ac:spMkLst>
+            <pc:docMk/>
+            <pc:sldMk cId="2688634444" sldId="285"/>
+            <ac:spMk id="3" creationId="{1F08C73F-1DFF-4F38-A340-1052EBD9AA70}"/>
+          </ac:spMkLst>
+        </pc:spChg>
+        <pc:spChg chg="del">
+          <ac:chgData name="Anderson Harayashiki Moreira" userId="07ffc975ff648281" providerId="LiveId" clId="{1A8436B7-59E4-4875-BB34-6B98AE1C43FD}" dt="2020-07-13T03:56:02.047" v="101" actId="478"/>
+          <ac:spMkLst>
+            <pc:docMk/>
+            <pc:sldMk cId="2688634444" sldId="285"/>
+            <ac:spMk id="4" creationId="{7D73271D-6A4E-4703-ACE7-47069DC4FD97}"/>
+          </ac:spMkLst>
+        </pc:spChg>
+        <pc:spChg chg="mod">
+          <ac:chgData name="Anderson Harayashiki Moreira" userId="07ffc975ff648281" providerId="LiveId" clId="{1A8436B7-59E4-4875-BB34-6B98AE1C43FD}" dt="2020-07-13T03:55:07.815" v="26" actId="1036"/>
+          <ac:spMkLst>
+            <pc:docMk/>
+            <pc:sldMk cId="2688634444" sldId="285"/>
+            <ac:spMk id="10" creationId="{13D6B834-55C5-418C-A4C7-89A5F46E965F}"/>
+          </ac:spMkLst>
+        </pc:spChg>
+        <pc:spChg chg="mod">
+          <ac:chgData name="Anderson Harayashiki Moreira" userId="07ffc975ff648281" providerId="LiveId" clId="{1A8436B7-59E4-4875-BB34-6B98AE1C43FD}" dt="2020-07-13T03:55:10.815" v="34" actId="1035"/>
+          <ac:spMkLst>
+            <pc:docMk/>
+            <pc:sldMk cId="2688634444" sldId="285"/>
+            <ac:spMk id="11" creationId="{75500D6B-76C4-4EDD-9470-9D173EB7296B}"/>
+          </ac:spMkLst>
+        </pc:spChg>
+        <pc:spChg chg="add">
+          <ac:chgData name="Anderson Harayashiki Moreira" userId="07ffc975ff648281" providerId="LiveId" clId="{1A8436B7-59E4-4875-BB34-6B98AE1C43FD}" dt="2020-07-13T03:56:03.435" v="102"/>
+          <ac:spMkLst>
+            <pc:docMk/>
+            <pc:sldMk cId="2688634444" sldId="285"/>
+            <ac:spMk id="12" creationId="{D4293C74-79E9-4152-ADEE-9221BE2D7DF6}"/>
+          </ac:spMkLst>
+        </pc:spChg>
+      </pc:sldChg>
+      <pc:sldChg chg="modSp">
+        <pc:chgData name="Anderson Harayashiki Moreira" userId="07ffc975ff648281" providerId="LiveId" clId="{1A8436B7-59E4-4875-BB34-6B98AE1C43FD}" dt="2020-07-13T03:55:55.459" v="100" actId="20577"/>
+        <pc:sldMkLst>
+          <pc:docMk/>
+          <pc:sldMk cId="3392129947" sldId="288"/>
+        </pc:sldMkLst>
+        <pc:spChg chg="mod">
+          <ac:chgData name="Anderson Harayashiki Moreira" userId="07ffc975ff648281" providerId="LiveId" clId="{1A8436B7-59E4-4875-BB34-6B98AE1C43FD}" dt="2020-07-13T03:55:42.246" v="96" actId="20577"/>
+          <ac:spMkLst>
+            <pc:docMk/>
+            <pc:sldMk cId="3392129947" sldId="288"/>
+            <ac:spMk id="3" creationId="{00000000-0000-0000-0000-000000000000}"/>
+          </ac:spMkLst>
+        </pc:spChg>
+        <pc:spChg chg="mod">
+          <ac:chgData name="Anderson Harayashiki Moreira" userId="07ffc975ff648281" providerId="LiveId" clId="{1A8436B7-59E4-4875-BB34-6B98AE1C43FD}" dt="2020-07-13T03:55:55.459" v="100" actId="20577"/>
+          <ac:spMkLst>
+            <pc:docMk/>
+            <pc:sldMk cId="3392129947" sldId="288"/>
+            <ac:spMk id="4" creationId="{00000000-0000-0000-0000-000000000000}"/>
+          </ac:spMkLst>
+        </pc:spChg>
+      </pc:sldChg>
+    </pc:docChg>
+  </pc:docChgLst>
+</pc:chgInfo>
+</file>
+
 <file path=ppt/handoutMasters/handoutMaster1.xml><?xml version="1.0" encoding="utf-8"?>
 <p:handoutMaster xmlns:a="http://schemas.openxmlformats.org/drawingml/2006/main" xmlns:r="http://schemas.openxmlformats.org/officeDocument/2006/relationships" xmlns:p="http://schemas.openxmlformats.org/presentationml/2006/main">
   <p:cSld>
@@ -219,7 +481,7 @@
           <a:p>
             <a:fld id="{58040048-1E4D-CD41-AC49-0750EB72586B}" type="datetimeFigureOut">
               <a:rPr lang="en-US" smtClean="0"/>
-              <a:t>6/9/2020</a:t>
+              <a:t>7/13/2020</a:t>
             </a:fld>
             <a:endParaRPr lang="en-US" dirty="0"/>
           </a:p>
@@ -385,7 +647,7 @@
           <a:p>
             <a:fld id="{2B8484CF-5098-F24E-8881-583515D5C406}" type="datetimeFigureOut">
               <a:rPr lang="en-US" smtClean="0"/>
-              <a:t>6/9/2020</a:t>
+              <a:t>7/12/2020</a:t>
             </a:fld>
             <a:endParaRPr lang="en-US" dirty="0"/>
           </a:p>
@@ -5601,28 +5863,6 @@
       </p:sp>
       <p:sp>
         <p:nvSpPr>
-          <p:cNvPr id="4" name="Footer Placeholder 3"/>
-          <p:cNvSpPr>
-            <a:spLocks noGrp="1"/>
-          </p:cNvSpPr>
-          <p:nvPr>
-            <p:ph type="ftr" sz="quarter" idx="11"/>
-          </p:nvPr>
-        </p:nvSpPr>
-        <p:spPr/>
-        <p:txBody>
-          <a:bodyPr/>
-          <a:lstStyle/>
-          <a:p>
-            <a:r>
-              <a:rPr lang="en-US" dirty="0"/>
-              <a:t>Copyright © 2020 SPIKE Prime Lessons (primelessons.org) CC-BY-NC-SA.  (Last edit: 1/9/2020)</a:t>
-            </a:r>
-          </a:p>
-        </p:txBody>
-      </p:sp>
-      <p:sp>
-        <p:nvSpPr>
           <p:cNvPr id="7" name="Slide Number Placeholder 6">
             <a:extLst>
               <a:ext uri="{FF2B5EF4-FFF2-40B4-BE49-F238E27FC236}">
@@ -5679,6 +5919,39 @@
           </a:prstGeom>
         </p:spPr>
       </p:pic>
+      <p:sp>
+        <p:nvSpPr>
+          <p:cNvPr id="8" name="Footer Placeholder 3">
+            <a:extLst>
+              <a:ext uri="{FF2B5EF4-FFF2-40B4-BE49-F238E27FC236}">
+                <a16:creationId xmlns:a16="http://schemas.microsoft.com/office/drawing/2014/main" id="{E4C5F412-54D6-4D5F-8662-0FFD1603585A}"/>
+              </a:ext>
+            </a:extLst>
+          </p:cNvPr>
+          <p:cNvSpPr>
+            <a:spLocks noGrp="1"/>
+          </p:cNvSpPr>
+          <p:nvPr>
+            <p:ph type="ftr" sz="quarter" idx="11"/>
+          </p:nvPr>
+        </p:nvSpPr>
+        <p:spPr>
+          <a:xfrm>
+            <a:off x="88409" y="6321349"/>
+            <a:ext cx="4870585" cy="365125"/>
+          </a:xfrm>
+        </p:spPr>
+        <p:txBody>
+          <a:bodyPr/>
+          <a:lstStyle/>
+          <a:p>
+            <a:r>
+              <a:rPr lang="en-US" dirty="0"/>
+              <a:t>Copyright © 2020 SPIKE Prime Lessons (primelessons.org) CC-BY-NC-SA.  (Last edit: 07/13/2020)</a:t>
+            </a:r>
+          </a:p>
+        </p:txBody>
+      </p:sp>
     </p:spTree>
     <p:extLst>
       <p:ext uri="{BB962C8B-B14F-4D97-AF65-F5344CB8AC3E}">
@@ -5739,34 +6012,6 @@
       </p:sp>
       <p:sp>
         <p:nvSpPr>
-          <p:cNvPr id="4" name="Footer Placeholder 3">
-            <a:extLst>
-              <a:ext uri="{FF2B5EF4-FFF2-40B4-BE49-F238E27FC236}">
-                <a16:creationId xmlns:a16="http://schemas.microsoft.com/office/drawing/2014/main" id="{5D537FE9-7847-4B91-95F5-564B8DEECEDF}"/>
-              </a:ext>
-            </a:extLst>
-          </p:cNvPr>
-          <p:cNvSpPr>
-            <a:spLocks noGrp="1"/>
-          </p:cNvSpPr>
-          <p:nvPr>
-            <p:ph type="ftr" sz="quarter" idx="11"/>
-          </p:nvPr>
-        </p:nvSpPr>
-        <p:spPr/>
-        <p:txBody>
-          <a:bodyPr/>
-          <a:lstStyle/>
-          <a:p>
-            <a:r>
-              <a:rPr lang="en-US" dirty="0"/>
-              <a:t>Copyright © 2020 SPIKE Prime Lessons (primelessons.org) CC-BY-NC-SA.  (Last edit: 1/9/2020)</a:t>
-            </a:r>
-          </a:p>
-        </p:txBody>
-      </p:sp>
-      <p:sp>
-        <p:nvSpPr>
           <p:cNvPr id="5" name="Slide Number Placeholder 4">
             <a:extLst>
               <a:ext uri="{FF2B5EF4-FFF2-40B4-BE49-F238E27FC236}">
@@ -6221,6 +6466,39 @@
           </a:prstGeom>
         </p:spPr>
       </p:pic>
+      <p:sp>
+        <p:nvSpPr>
+          <p:cNvPr id="8" name="Footer Placeholder 3">
+            <a:extLst>
+              <a:ext uri="{FF2B5EF4-FFF2-40B4-BE49-F238E27FC236}">
+                <a16:creationId xmlns:a16="http://schemas.microsoft.com/office/drawing/2014/main" id="{87E120C8-C391-4577-8107-6560E8FB0C51}"/>
+              </a:ext>
+            </a:extLst>
+          </p:cNvPr>
+          <p:cNvSpPr>
+            <a:spLocks noGrp="1"/>
+          </p:cNvSpPr>
+          <p:nvPr>
+            <p:ph type="ftr" sz="quarter" idx="11"/>
+          </p:nvPr>
+        </p:nvSpPr>
+        <p:spPr>
+          <a:xfrm>
+            <a:off x="88409" y="6321349"/>
+            <a:ext cx="4870585" cy="365125"/>
+          </a:xfrm>
+        </p:spPr>
+        <p:txBody>
+          <a:bodyPr/>
+          <a:lstStyle/>
+          <a:p>
+            <a:r>
+              <a:rPr lang="en-US" dirty="0"/>
+              <a:t>Copyright © 2020 SPIKE Prime Lessons (primelessons.org) CC-BY-NC-SA.  (Last edit: 07/13/2020)</a:t>
+            </a:r>
+          </a:p>
+        </p:txBody>
+      </p:sp>
     </p:spTree>
     <p:extLst>
       <p:ext uri="{BB962C8B-B14F-4D97-AF65-F5344CB8AC3E}">
@@ -6283,34 +6561,6 @@
       </p:sp>
       <p:sp>
         <p:nvSpPr>
-          <p:cNvPr id="4" name="Footer Placeholder 3">
-            <a:extLst>
-              <a:ext uri="{FF2B5EF4-FFF2-40B4-BE49-F238E27FC236}">
-                <a16:creationId xmlns:a16="http://schemas.microsoft.com/office/drawing/2014/main" id="{DBB30102-B120-3D4E-8B7C-172126856F13}"/>
-              </a:ext>
-            </a:extLst>
-          </p:cNvPr>
-          <p:cNvSpPr>
-            <a:spLocks noGrp="1"/>
-          </p:cNvSpPr>
-          <p:nvPr>
-            <p:ph type="ftr" sz="quarter" idx="11"/>
-          </p:nvPr>
-        </p:nvSpPr>
-        <p:spPr/>
-        <p:txBody>
-          <a:bodyPr/>
-          <a:lstStyle/>
-          <a:p>
-            <a:r>
-              <a:rPr lang="en-US" dirty="0"/>
-              <a:t>Copyright © 2020 SPIKE Prime Lessons (primelessons.org) CC-BY-NC-SA.  (Last edit: 1/9/2020)</a:t>
-            </a:r>
-          </a:p>
-        </p:txBody>
-      </p:sp>
-      <p:sp>
-        <p:nvSpPr>
           <p:cNvPr id="5" name="Slide Number Placeholder 4">
             <a:extLst>
               <a:ext uri="{FF2B5EF4-FFF2-40B4-BE49-F238E27FC236}">
@@ -6366,20 +6616,31 @@
           </a:bodyPr>
           <a:lstStyle/>
           <a:p>
+            <a:pPr algn="just"/>
             <a:r>
               <a:rPr lang="pt-BR" i="1" dirty="0"/>
               <a:t>O sensor de cor na BMA esta montado a 8mm do chão, mas a distância ideal é 16mm.</a:t>
             </a:r>
           </a:p>
           <a:p>
+            <a:pPr algn="just"/>
+            <a:r>
+              <a:rPr lang="pt-BR" dirty="0"/>
+              <a:t>Ao usar este </a:t>
+            </a:r>
             <a:r>
               <a:rPr lang="pt-BR" i="1" dirty="0"/>
-              <a:t>Ao usar este design, a cor preta não é lida corretamente no Modo Cor usando fita isolante ou o tapete da FLL.</a:t>
-            </a:r>
-          </a:p>
-          <a:p>
-            <a:r>
-              <a:rPr lang="pt-BR" i="1" dirty="0"/>
+              <a:t>design</a:t>
+            </a:r>
+            <a:r>
+              <a:rPr lang="pt-BR" dirty="0"/>
+              <a:t>, a cor preta não é lida corretamente no Modo Cor usando fita isolante ou o tapete da FLL.</a:t>
+            </a:r>
+          </a:p>
+          <a:p>
+            <a:pPr algn="just"/>
+            <a:r>
+              <a:rPr lang="pt-BR" dirty="0"/>
               <a:t>Veja o próximo slide para modificações. As instruções de montagem também serão fornecidas em um arquivo separado em nosso site.</a:t>
             </a:r>
           </a:p>
@@ -6543,6 +6804,39 @@
           </a:prstGeom>
         </p:spPr>
       </p:pic>
+      <p:sp>
+        <p:nvSpPr>
+          <p:cNvPr id="10" name="Footer Placeholder 3">
+            <a:extLst>
+              <a:ext uri="{FF2B5EF4-FFF2-40B4-BE49-F238E27FC236}">
+                <a16:creationId xmlns:a16="http://schemas.microsoft.com/office/drawing/2014/main" id="{737AD174-6BD0-44AE-A58C-5D3E299A8F43}"/>
+              </a:ext>
+            </a:extLst>
+          </p:cNvPr>
+          <p:cNvSpPr>
+            <a:spLocks noGrp="1"/>
+          </p:cNvSpPr>
+          <p:nvPr>
+            <p:ph type="ftr" sz="quarter" idx="11"/>
+          </p:nvPr>
+        </p:nvSpPr>
+        <p:spPr>
+          <a:xfrm>
+            <a:off x="88409" y="6321349"/>
+            <a:ext cx="4870585" cy="365125"/>
+          </a:xfrm>
+        </p:spPr>
+        <p:txBody>
+          <a:bodyPr/>
+          <a:lstStyle/>
+          <a:p>
+            <a:r>
+              <a:rPr lang="en-US" dirty="0"/>
+              <a:t>Copyright © 2020 SPIKE Prime Lessons (primelessons.org) CC-BY-NC-SA.  (Last edit: 07/13/2020)</a:t>
+            </a:r>
+          </a:p>
+        </p:txBody>
+      </p:sp>
     </p:spTree>
     <p:extLst>
       <p:ext uri="{BB962C8B-B14F-4D97-AF65-F5344CB8AC3E}">
@@ -6632,34 +6926,6 @@
       </p:pic>
       <p:sp>
         <p:nvSpPr>
-          <p:cNvPr id="4" name="Footer Placeholder 3">
-            <a:extLst>
-              <a:ext uri="{FF2B5EF4-FFF2-40B4-BE49-F238E27FC236}">
-                <a16:creationId xmlns:a16="http://schemas.microsoft.com/office/drawing/2014/main" id="{34AAC78E-D7A6-4E1A-98DF-76A236E14BF0}"/>
-              </a:ext>
-            </a:extLst>
-          </p:cNvPr>
-          <p:cNvSpPr>
-            <a:spLocks noGrp="1"/>
-          </p:cNvSpPr>
-          <p:nvPr>
-            <p:ph type="ftr" sz="quarter" idx="11"/>
-          </p:nvPr>
-        </p:nvSpPr>
-        <p:spPr/>
-        <p:txBody>
-          <a:bodyPr/>
-          <a:lstStyle/>
-          <a:p>
-            <a:r>
-              <a:rPr lang="en-US" dirty="0"/>
-              <a:t>Copyright © 2020 SPIKE Prime Lessons (primelessons.org) CC-BY-NC-SA.  (Last edit: 1/9/2020)</a:t>
-            </a:r>
-          </a:p>
-        </p:txBody>
-      </p:sp>
-      <p:sp>
-        <p:nvSpPr>
           <p:cNvPr id="5" name="Slide Number Placeholder 4">
             <a:extLst>
               <a:ext uri="{FF2B5EF4-FFF2-40B4-BE49-F238E27FC236}">
@@ -7012,6 +7278,39 @@
           </a:prstGeom>
         </p:spPr>
       </p:pic>
+      <p:sp>
+        <p:nvSpPr>
+          <p:cNvPr id="12" name="Footer Placeholder 3">
+            <a:extLst>
+              <a:ext uri="{FF2B5EF4-FFF2-40B4-BE49-F238E27FC236}">
+                <a16:creationId xmlns:a16="http://schemas.microsoft.com/office/drawing/2014/main" id="{7248EF9C-E309-48F0-9EDA-3A27987B5B12}"/>
+              </a:ext>
+            </a:extLst>
+          </p:cNvPr>
+          <p:cNvSpPr>
+            <a:spLocks noGrp="1"/>
+          </p:cNvSpPr>
+          <p:nvPr>
+            <p:ph type="ftr" sz="quarter" idx="11"/>
+          </p:nvPr>
+        </p:nvSpPr>
+        <p:spPr>
+          <a:xfrm>
+            <a:off x="88409" y="6321349"/>
+            <a:ext cx="4870585" cy="365125"/>
+          </a:xfrm>
+        </p:spPr>
+        <p:txBody>
+          <a:bodyPr/>
+          <a:lstStyle/>
+          <a:p>
+            <a:r>
+              <a:rPr lang="en-US" dirty="0"/>
+              <a:t>Copyright © 2020 SPIKE Prime Lessons (primelessons.org) CC-BY-NC-SA.  (Last edit: 07/13/2020)</a:t>
+            </a:r>
+          </a:p>
+        </p:txBody>
+      </p:sp>
     </p:spTree>
     <p:extLst>
       <p:ext uri="{BB962C8B-B14F-4D97-AF65-F5344CB8AC3E}">
@@ -7067,7 +7366,15 @@
           <a:p>
             <a:r>
               <a:rPr lang="en-US" dirty="0"/>
-              <a:t>Como programar o sensor de cor?</a:t>
+              <a:t>Como </a:t>
+            </a:r>
+            <a:r>
+              <a:rPr lang="en-US" dirty="0" err="1"/>
+              <a:t>programar</a:t>
+            </a:r>
+            <a:r>
+              <a:rPr lang="en-US" dirty="0"/>
+              <a:t> com o sensor de cor?</a:t>
             </a:r>
           </a:p>
         </p:txBody>
@@ -7100,43 +7407,17 @@
           </a:bodyPr>
           <a:lstStyle/>
           <a:p>
+            <a:pPr algn="just"/>
             <a:r>
               <a:rPr lang="pt-BR" dirty="0"/>
-              <a:t>Existem dois modos em que você pode programar o sensor: O Modo Cor e o Modo Luz Refletida.</a:t>
-            </a:r>
-          </a:p>
-          <a:p>
+              <a:t>Existem dois modos em que você pode programar com o sensor: O Modo Cor e o Modo Luz Refletida.</a:t>
+            </a:r>
+          </a:p>
+          <a:p>
+            <a:pPr algn="just"/>
             <a:r>
               <a:rPr lang="pt-BR" dirty="0"/>
               <a:t>Usaremos o modo Cor nessa lição</a:t>
-            </a:r>
-          </a:p>
-        </p:txBody>
-      </p:sp>
-      <p:sp>
-        <p:nvSpPr>
-          <p:cNvPr id="4" name="Footer Placeholder 3">
-            <a:extLst>
-              <a:ext uri="{FF2B5EF4-FFF2-40B4-BE49-F238E27FC236}">
-                <a16:creationId xmlns:a16="http://schemas.microsoft.com/office/drawing/2014/main" id="{0CED42F2-83E1-4B1D-AF71-E324E7695CA8}"/>
-              </a:ext>
-            </a:extLst>
-          </p:cNvPr>
-          <p:cNvSpPr>
-            <a:spLocks noGrp="1"/>
-          </p:cNvSpPr>
-          <p:nvPr>
-            <p:ph type="ftr" sz="quarter" idx="11"/>
-          </p:nvPr>
-        </p:nvSpPr>
-        <p:spPr/>
-        <p:txBody>
-          <a:bodyPr/>
-          <a:lstStyle/>
-          <a:p>
-            <a:r>
-              <a:rPr lang="en-US" dirty="0"/>
-              <a:t>Copyright © 2020 SPIKE Prime Lessons (primelessons.org) CC-BY-NC-SA.  (Last edit: 1/9/2020)</a:t>
             </a:r>
           </a:p>
         </p:txBody>
@@ -7230,6 +7511,39 @@
           </a:prstGeom>
         </p:spPr>
       </p:pic>
+      <p:sp>
+        <p:nvSpPr>
+          <p:cNvPr id="8" name="Footer Placeholder 3">
+            <a:extLst>
+              <a:ext uri="{FF2B5EF4-FFF2-40B4-BE49-F238E27FC236}">
+                <a16:creationId xmlns:a16="http://schemas.microsoft.com/office/drawing/2014/main" id="{489BEAB0-3D58-46E1-955C-E6090E6F7956}"/>
+              </a:ext>
+            </a:extLst>
+          </p:cNvPr>
+          <p:cNvSpPr>
+            <a:spLocks noGrp="1"/>
+          </p:cNvSpPr>
+          <p:nvPr>
+            <p:ph type="ftr" sz="quarter" idx="11"/>
+          </p:nvPr>
+        </p:nvSpPr>
+        <p:spPr>
+          <a:xfrm>
+            <a:off x="88409" y="6321349"/>
+            <a:ext cx="4870585" cy="365125"/>
+          </a:xfrm>
+        </p:spPr>
+        <p:txBody>
+          <a:bodyPr/>
+          <a:lstStyle/>
+          <a:p>
+            <a:r>
+              <a:rPr lang="en-US" dirty="0"/>
+              <a:t>Copyright © 2020 SPIKE Prime Lessons (primelessons.org) CC-BY-NC-SA.  (Last edit: 07/13/2020)</a:t>
+            </a:r>
+          </a:p>
+        </p:txBody>
+      </p:sp>
     </p:spTree>
     <p:extLst>
       <p:ext uri="{BB962C8B-B14F-4D97-AF65-F5344CB8AC3E}">
@@ -7325,7 +7639,7 @@
           <a:p>
             <a:r>
               <a:rPr lang="pt-BR" dirty="0"/>
-              <a:t>Você deverá usar o bloco Espere até que e a condição lógica do bloco do sensor de cor.</a:t>
+              <a:t>Você deverá usar o bloco “Espere até que” e a condição lógica do bloco do sensor de cor.</a:t>
             </a:r>
           </a:p>
           <a:p>
@@ -7414,34 +7728,6 @@
               <a:buNone/>
             </a:pPr>
             <a:endParaRPr lang="pt-BR" dirty="0"/>
-          </a:p>
-        </p:txBody>
-      </p:sp>
-      <p:sp>
-        <p:nvSpPr>
-          <p:cNvPr id="4" name="Footer Placeholder 3">
-            <a:extLst>
-              <a:ext uri="{FF2B5EF4-FFF2-40B4-BE49-F238E27FC236}">
-                <a16:creationId xmlns:a16="http://schemas.microsoft.com/office/drawing/2014/main" id="{69325A48-9D7A-4696-B0C8-B6078A4DEAEE}"/>
-              </a:ext>
-            </a:extLst>
-          </p:cNvPr>
-          <p:cNvSpPr>
-            <a:spLocks noGrp="1"/>
-          </p:cNvSpPr>
-          <p:nvPr>
-            <p:ph type="ftr" sz="quarter" idx="11"/>
-          </p:nvPr>
-        </p:nvSpPr>
-        <p:spPr/>
-        <p:txBody>
-          <a:bodyPr/>
-          <a:lstStyle/>
-          <a:p>
-            <a:r>
-              <a:rPr lang="en-US" dirty="0"/>
-              <a:t>Copyright © 2020 SPIKE Prime Lessons (primelessons.org) CC-BY-NC-SA.  (Last edit: 1/9/2020)</a:t>
-            </a:r>
           </a:p>
         </p:txBody>
       </p:sp>
@@ -7504,6 +7790,39 @@
           </a:prstGeom>
         </p:spPr>
       </p:pic>
+      <p:sp>
+        <p:nvSpPr>
+          <p:cNvPr id="7" name="Footer Placeholder 3">
+            <a:extLst>
+              <a:ext uri="{FF2B5EF4-FFF2-40B4-BE49-F238E27FC236}">
+                <a16:creationId xmlns:a16="http://schemas.microsoft.com/office/drawing/2014/main" id="{8711DB9F-7744-4985-AFF3-9C957A0EF334}"/>
+              </a:ext>
+            </a:extLst>
+          </p:cNvPr>
+          <p:cNvSpPr>
+            <a:spLocks noGrp="1"/>
+          </p:cNvSpPr>
+          <p:nvPr>
+            <p:ph type="ftr" sz="quarter" idx="11"/>
+          </p:nvPr>
+        </p:nvSpPr>
+        <p:spPr>
+          <a:xfrm>
+            <a:off x="88409" y="6321349"/>
+            <a:ext cx="4870585" cy="365125"/>
+          </a:xfrm>
+        </p:spPr>
+        <p:txBody>
+          <a:bodyPr/>
+          <a:lstStyle/>
+          <a:p>
+            <a:r>
+              <a:rPr lang="en-US" dirty="0"/>
+              <a:t>Copyright © 2020 SPIKE Prime Lessons (primelessons.org) CC-BY-NC-SA.  (Last edit: 07/13/2020)</a:t>
+            </a:r>
+          </a:p>
+        </p:txBody>
+      </p:sp>
     </p:spTree>
     <p:extLst>
       <p:ext uri="{BB962C8B-B14F-4D97-AF65-F5344CB8AC3E}">
@@ -7594,34 +7913,6 @@
       </p:sp>
       <p:sp>
         <p:nvSpPr>
-          <p:cNvPr id="4" name="Footer Placeholder 3">
-            <a:extLst>
-              <a:ext uri="{FF2B5EF4-FFF2-40B4-BE49-F238E27FC236}">
-                <a16:creationId xmlns:a16="http://schemas.microsoft.com/office/drawing/2014/main" id="{7D73271D-6A4E-4703-ACE7-47069DC4FD97}"/>
-              </a:ext>
-            </a:extLst>
-          </p:cNvPr>
-          <p:cNvSpPr>
-            <a:spLocks noGrp="1"/>
-          </p:cNvSpPr>
-          <p:nvPr>
-            <p:ph type="ftr" sz="quarter" idx="11"/>
-          </p:nvPr>
-        </p:nvSpPr>
-        <p:spPr/>
-        <p:txBody>
-          <a:bodyPr/>
-          <a:lstStyle/>
-          <a:p>
-            <a:r>
-              <a:rPr lang="en-US" dirty="0"/>
-              <a:t>Copyright © 2020 SPIKE Prime Lessons (primelessons.org) CC-BY-NC-SA.  (Last edit: 1/9/2020)</a:t>
-            </a:r>
-          </a:p>
-        </p:txBody>
-      </p:sp>
-      <p:sp>
-        <p:nvSpPr>
           <p:cNvPr id="5" name="Slide Number Placeholder 4">
             <a:extLst>
               <a:ext uri="{FF2B5EF4-FFF2-40B4-BE49-F238E27FC236}">
@@ -7663,7 +7954,7 @@
         </p:nvSpPr>
         <p:spPr>
           <a:xfrm>
-            <a:off x="175260" y="1298162"/>
+            <a:off x="175260" y="1179470"/>
             <a:ext cx="8746864" cy="646331"/>
           </a:xfrm>
           <a:prstGeom prst="rect">
@@ -7732,7 +8023,7 @@
         </p:nvSpPr>
         <p:spPr>
           <a:xfrm>
-            <a:off x="4503018" y="3359359"/>
+            <a:off x="4503018" y="3416507"/>
             <a:ext cx="3696101" cy="369332"/>
           </a:xfrm>
           <a:prstGeom prst="rect">
@@ -7767,7 +8058,7 @@
         </p:nvSpPr>
         <p:spPr>
           <a:xfrm>
-            <a:off x="5138737" y="3979577"/>
+            <a:off x="5138737" y="3922429"/>
             <a:ext cx="3696101" cy="646331"/>
           </a:xfrm>
           <a:prstGeom prst="rect">
@@ -7784,6 +8075,39 @@
             <a:r>
               <a:rPr lang="en-US" dirty="0"/>
               <a:t>Esperar até o sensor de cor ver Preto</a:t>
+            </a:r>
+          </a:p>
+        </p:txBody>
+      </p:sp>
+      <p:sp>
+        <p:nvSpPr>
+          <p:cNvPr id="12" name="Footer Placeholder 3">
+            <a:extLst>
+              <a:ext uri="{FF2B5EF4-FFF2-40B4-BE49-F238E27FC236}">
+                <a16:creationId xmlns:a16="http://schemas.microsoft.com/office/drawing/2014/main" id="{D4293C74-79E9-4152-ADEE-9221BE2D7DF6}"/>
+              </a:ext>
+            </a:extLst>
+          </p:cNvPr>
+          <p:cNvSpPr>
+            <a:spLocks noGrp="1"/>
+          </p:cNvSpPr>
+          <p:nvPr>
+            <p:ph type="ftr" sz="quarter" idx="11"/>
+          </p:nvPr>
+        </p:nvSpPr>
+        <p:spPr>
+          <a:xfrm>
+            <a:off x="88409" y="6321349"/>
+            <a:ext cx="4870585" cy="365125"/>
+          </a:xfrm>
+        </p:spPr>
+        <p:txBody>
+          <a:bodyPr/>
+          <a:lstStyle/>
+          <a:p>
+            <a:r>
+              <a:rPr lang="en-US" dirty="0"/>
+              <a:t>Copyright © 2020 SPIKE Prime Lessons (primelessons.org) CC-BY-NC-SA.  (Last edit: 07/13/2020)</a:t>
             </a:r>
           </a:p>
         </p:txBody>
@@ -7883,7 +8207,15 @@
           <a:p>
             <a:r>
               <a:rPr lang="en-US" sz="1600" dirty="0"/>
-              <a:t>Traduzida para o português por Lucas Colonna</a:t>
+              <a:t>Traduzida para o português por Lucas Colonna e </a:t>
+            </a:r>
+            <a:r>
+              <a:rPr lang="en-US" sz="1600" dirty="0" err="1"/>
+              <a:t>revisado</a:t>
+            </a:r>
+            <a:r>
+              <a:rPr lang="en-US" sz="1600" dirty="0"/>
+              <a:t> por Anderson Harayashiki Moreira</a:t>
             </a:r>
           </a:p>
           <a:p>
@@ -7908,7 +8240,7 @@
           <a:p>
             <a:r>
               <a:rPr lang="en-US" dirty="0"/>
-              <a:t>Copyright © 2020 SPIKE Prime Lessons (primelessons.org) CC-BY-NC-SA.  (Last edit: 1/9/2020)</a:t>
+              <a:t>Copyright © 2020 SPIKE Prime Lessons (primelessons.org) CC-BY-NC-SA.  (Last edit: 07/13/2020)</a:t>
             </a:r>
           </a:p>
         </p:txBody>
@@ -7938,7 +8270,7 @@
           <a:effectLst/>
           <a:extLst>
             <a:ext uri="{91240B29-F687-4f45-9708-019B960494DF}">
-              <a14:hiddenLine xmlns:a14="http://schemas.microsoft.com/office/drawing/2010/main" xmlns="" w="9525">
+              <a14:hiddenLine xmlns="" xmlns:a14="http://schemas.microsoft.com/office/drawing/2010/main" w="9525">
                 <a:solidFill>
                   <a:schemeClr val="tx1"/>
                 </a:solidFill>
@@ -7948,7 +8280,7 @@
               </a14:hiddenLine>
             </a:ext>
             <a:ext uri="{AF507438-7753-43e0-B8FC-AC1667EBCBE1}">
-              <a14:hiddenEffects xmlns:a14="http://schemas.microsoft.com/office/drawing/2010/main" xmlns="">
+              <a14:hiddenEffects xmlns="" xmlns:a14="http://schemas.microsoft.com/office/drawing/2010/main">
                 <a:effectLst>
                   <a:outerShdw dist="35921" dir="2700000" algn="ctr" rotWithShape="0">
                     <a:schemeClr val="bg2"/>
@@ -8233,7 +8565,7 @@
           <a:noFill/>
           <a:extLst>
             <a:ext uri="{909E8E84-426E-40dd-AFC4-6F175D3DCCD1}">
-              <a14:hiddenFill xmlns:a14="http://schemas.microsoft.com/office/drawing/2010/main" xmlns="">
+              <a14:hiddenFill xmlns="" xmlns:a14="http://schemas.microsoft.com/office/drawing/2010/main">
                 <a:solidFill>
                   <a:srgbClr val="FFFFFF"/>
                 </a:solidFill>
